--- a/Design Documents/UserInterface.pptx
+++ b/Design Documents/UserInterface.pptx
@@ -11,6 +11,7 @@
     <p:sldId id="259" r:id="rId5"/>
     <p:sldId id="260" r:id="rId6"/>
     <p:sldId id="261" r:id="rId7"/>
+    <p:sldId id="262" r:id="rId8"/>
   </p:sldIdLst>
   <p:sldSz cx="12192000" cy="6858000"/>
   <p:notesSz cx="6858000" cy="9144000"/>
@@ -268,7 +269,7 @@
           <a:p>
             <a:fld id="{FB898FFE-C45F-406F-8D23-910EEC0777D1}" type="datetimeFigureOut">
               <a:rPr lang="it-IT" smtClean="0"/>
-              <a:t>13/11/2017</a:t>
+              <a:t>21/11/2017</a:t>
             </a:fld>
             <a:endParaRPr lang="it-IT"/>
           </a:p>
@@ -466,7 +467,7 @@
           <a:p>
             <a:fld id="{FB898FFE-C45F-406F-8D23-910EEC0777D1}" type="datetimeFigureOut">
               <a:rPr lang="it-IT" smtClean="0"/>
-              <a:t>13/11/2017</a:t>
+              <a:t>21/11/2017</a:t>
             </a:fld>
             <a:endParaRPr lang="it-IT"/>
           </a:p>
@@ -674,7 +675,7 @@
           <a:p>
             <a:fld id="{FB898FFE-C45F-406F-8D23-910EEC0777D1}" type="datetimeFigureOut">
               <a:rPr lang="it-IT" smtClean="0"/>
-              <a:t>13/11/2017</a:t>
+              <a:t>21/11/2017</a:t>
             </a:fld>
             <a:endParaRPr lang="it-IT"/>
           </a:p>
@@ -872,7 +873,7 @@
           <a:p>
             <a:fld id="{FB898FFE-C45F-406F-8D23-910EEC0777D1}" type="datetimeFigureOut">
               <a:rPr lang="it-IT" smtClean="0"/>
-              <a:t>13/11/2017</a:t>
+              <a:t>21/11/2017</a:t>
             </a:fld>
             <a:endParaRPr lang="it-IT"/>
           </a:p>
@@ -1147,7 +1148,7 @@
           <a:p>
             <a:fld id="{FB898FFE-C45F-406F-8D23-910EEC0777D1}" type="datetimeFigureOut">
               <a:rPr lang="it-IT" smtClean="0"/>
-              <a:t>13/11/2017</a:t>
+              <a:t>21/11/2017</a:t>
             </a:fld>
             <a:endParaRPr lang="it-IT"/>
           </a:p>
@@ -1412,7 +1413,7 @@
           <a:p>
             <a:fld id="{FB898FFE-C45F-406F-8D23-910EEC0777D1}" type="datetimeFigureOut">
               <a:rPr lang="it-IT" smtClean="0"/>
-              <a:t>13/11/2017</a:t>
+              <a:t>21/11/2017</a:t>
             </a:fld>
             <a:endParaRPr lang="it-IT"/>
           </a:p>
@@ -1824,7 +1825,7 @@
           <a:p>
             <a:fld id="{FB898FFE-C45F-406F-8D23-910EEC0777D1}" type="datetimeFigureOut">
               <a:rPr lang="it-IT" smtClean="0"/>
-              <a:t>13/11/2017</a:t>
+              <a:t>21/11/2017</a:t>
             </a:fld>
             <a:endParaRPr lang="it-IT"/>
           </a:p>
@@ -1965,7 +1966,7 @@
           <a:p>
             <a:fld id="{FB898FFE-C45F-406F-8D23-910EEC0777D1}" type="datetimeFigureOut">
               <a:rPr lang="it-IT" smtClean="0"/>
-              <a:t>13/11/2017</a:t>
+              <a:t>21/11/2017</a:t>
             </a:fld>
             <a:endParaRPr lang="it-IT"/>
           </a:p>
@@ -2078,7 +2079,7 @@
           <a:p>
             <a:fld id="{FB898FFE-C45F-406F-8D23-910EEC0777D1}" type="datetimeFigureOut">
               <a:rPr lang="it-IT" smtClean="0"/>
-              <a:t>13/11/2017</a:t>
+              <a:t>21/11/2017</a:t>
             </a:fld>
             <a:endParaRPr lang="it-IT"/>
           </a:p>
@@ -2389,7 +2390,7 @@
           <a:p>
             <a:fld id="{FB898FFE-C45F-406F-8D23-910EEC0777D1}" type="datetimeFigureOut">
               <a:rPr lang="it-IT" smtClean="0"/>
-              <a:t>13/11/2017</a:t>
+              <a:t>21/11/2017</a:t>
             </a:fld>
             <a:endParaRPr lang="it-IT"/>
           </a:p>
@@ -2677,7 +2678,7 @@
           <a:p>
             <a:fld id="{FB898FFE-C45F-406F-8D23-910EEC0777D1}" type="datetimeFigureOut">
               <a:rPr lang="it-IT" smtClean="0"/>
-              <a:t>13/11/2017</a:t>
+              <a:t>21/11/2017</a:t>
             </a:fld>
             <a:endParaRPr lang="it-IT"/>
           </a:p>
@@ -2918,7 +2919,7 @@
           <a:p>
             <a:fld id="{FB898FFE-C45F-406F-8D23-910EEC0777D1}" type="datetimeFigureOut">
               <a:rPr lang="it-IT" smtClean="0"/>
-              <a:t>13/11/2017</a:t>
+              <a:t>21/11/2017</a:t>
             </a:fld>
             <a:endParaRPr lang="it-IT"/>
           </a:p>
@@ -4623,8 +4624,8 @@
         </p:nvSpPr>
         <p:spPr>
           <a:xfrm>
-            <a:off x="3609546" y="3843717"/>
-            <a:ext cx="966931" cy="276999"/>
+            <a:off x="3406591" y="3843717"/>
+            <a:ext cx="1480918" cy="276999"/>
           </a:xfrm>
           <a:prstGeom prst="rect">
             <a:avLst/>
@@ -4639,7 +4640,7 @@
           <a:p>
             <a:r>
               <a:rPr lang="it-IT" sz="1200" dirty="0" err="1"/>
-              <a:t>closeMenu</a:t>
+              <a:t>selectMonthlyView</a:t>
             </a:r>
             <a:r>
               <a:rPr lang="it-IT" sz="1200" dirty="0"/>
@@ -8812,6 +8813,750 @@
     <p:extLst>
       <p:ext uri="{BB962C8B-B14F-4D97-AF65-F5344CB8AC3E}">
         <p14:creationId xmlns:p14="http://schemas.microsoft.com/office/powerpoint/2010/main" val="3242828285"/>
+      </p:ext>
+    </p:extLst>
+  </p:cSld>
+  <p:clrMapOvr>
+    <a:masterClrMapping/>
+  </p:clrMapOvr>
+</p:sld>
+</file>
+
+<file path=ppt/slides/slide7.xml><?xml version="1.0" encoding="utf-8"?>
+<p:sld xmlns:a="http://schemas.openxmlformats.org/drawingml/2006/main" xmlns:r="http://schemas.openxmlformats.org/officeDocument/2006/relationships" xmlns:p="http://schemas.openxmlformats.org/presentationml/2006/main">
+  <p:cSld>
+    <p:spTree>
+      <p:nvGrpSpPr>
+        <p:cNvPr id="1" name=""/>
+        <p:cNvGrpSpPr/>
+        <p:nvPr/>
+      </p:nvGrpSpPr>
+      <p:grpSpPr>
+        <a:xfrm>
+          <a:off x="0" y="0"/>
+          <a:ext cx="0" cy="0"/>
+          <a:chOff x="0" y="0"/>
+          <a:chExt cx="0" cy="0"/>
+        </a:xfrm>
+      </p:grpSpPr>
+      <p:pic>
+        <p:nvPicPr>
+          <p:cNvPr id="4" name="Immagine 3">
+            <a:extLst>
+              <a:ext uri="{FF2B5EF4-FFF2-40B4-BE49-F238E27FC236}">
+                <a16:creationId xmlns:a16="http://schemas.microsoft.com/office/drawing/2014/main" id="{B2C696A2-58ED-47B6-AC91-BF16E6521B05}"/>
+              </a:ext>
+            </a:extLst>
+          </p:cNvPr>
+          <p:cNvPicPr>
+            <a:picLocks noChangeAspect="1"/>
+          </p:cNvPicPr>
+          <p:nvPr/>
+        </p:nvPicPr>
+        <p:blipFill>
+          <a:blip r:embed="rId2">
+            <a:extLst>
+              <a:ext uri="{28A0092B-C50C-407E-A947-70E740481C1C}">
+                <a14:useLocalDpi xmlns:a14="http://schemas.microsoft.com/office/drawing/2010/main" val="0"/>
+              </a:ext>
+            </a:extLst>
+          </a:blip>
+          <a:stretch>
+            <a:fillRect/>
+          </a:stretch>
+        </p:blipFill>
+        <p:spPr>
+          <a:xfrm>
+            <a:off x="1140793" y="659184"/>
+            <a:ext cx="1396585" cy="2481312"/>
+          </a:xfrm>
+          <a:prstGeom prst="rect">
+            <a:avLst/>
+          </a:prstGeom>
+          <a:ln>
+            <a:solidFill>
+              <a:schemeClr val="bg2">
+                <a:lumMod val="90000"/>
+              </a:schemeClr>
+            </a:solidFill>
+          </a:ln>
+        </p:spPr>
+      </p:pic>
+      <p:pic>
+        <p:nvPicPr>
+          <p:cNvPr id="6" name="Immagine 5">
+            <a:extLst>
+              <a:ext uri="{FF2B5EF4-FFF2-40B4-BE49-F238E27FC236}">
+                <a16:creationId xmlns:a16="http://schemas.microsoft.com/office/drawing/2014/main" id="{2323C291-66C0-4CBB-99DC-072F2D4E6C98}"/>
+              </a:ext>
+            </a:extLst>
+          </p:cNvPr>
+          <p:cNvPicPr>
+            <a:picLocks noChangeAspect="1"/>
+          </p:cNvPicPr>
+          <p:nvPr/>
+        </p:nvPicPr>
+        <p:blipFill>
+          <a:blip r:embed="rId3">
+            <a:extLst>
+              <a:ext uri="{28A0092B-C50C-407E-A947-70E740481C1C}">
+                <a14:useLocalDpi xmlns:a14="http://schemas.microsoft.com/office/drawing/2010/main" val="0"/>
+              </a:ext>
+            </a:extLst>
+          </a:blip>
+          <a:stretch>
+            <a:fillRect/>
+          </a:stretch>
+        </p:blipFill>
+        <p:spPr>
+          <a:xfrm>
+            <a:off x="4189315" y="3834879"/>
+            <a:ext cx="1396586" cy="2481313"/>
+          </a:xfrm>
+          <a:prstGeom prst="rect">
+            <a:avLst/>
+          </a:prstGeom>
+          <a:ln>
+            <a:solidFill>
+              <a:schemeClr val="bg2">
+                <a:lumMod val="90000"/>
+              </a:schemeClr>
+            </a:solidFill>
+          </a:ln>
+        </p:spPr>
+      </p:pic>
+      <p:pic>
+        <p:nvPicPr>
+          <p:cNvPr id="8" name="Immagine 7">
+            <a:extLst>
+              <a:ext uri="{FF2B5EF4-FFF2-40B4-BE49-F238E27FC236}">
+                <a16:creationId xmlns:a16="http://schemas.microsoft.com/office/drawing/2014/main" id="{076C3AF7-66CF-4DF7-A5A1-1BF486975288}"/>
+              </a:ext>
+            </a:extLst>
+          </p:cNvPr>
+          <p:cNvPicPr>
+            <a:picLocks noChangeAspect="1"/>
+          </p:cNvPicPr>
+          <p:nvPr/>
+        </p:nvPicPr>
+        <p:blipFill>
+          <a:blip r:embed="rId4">
+            <a:extLst>
+              <a:ext uri="{28A0092B-C50C-407E-A947-70E740481C1C}">
+                <a14:useLocalDpi xmlns:a14="http://schemas.microsoft.com/office/drawing/2010/main" val="0"/>
+              </a:ext>
+            </a:extLst>
+          </a:blip>
+          <a:stretch>
+            <a:fillRect/>
+          </a:stretch>
+        </p:blipFill>
+        <p:spPr>
+          <a:xfrm>
+            <a:off x="7179675" y="3834879"/>
+            <a:ext cx="1396586" cy="2481312"/>
+          </a:xfrm>
+          <a:prstGeom prst="rect">
+            <a:avLst/>
+          </a:prstGeom>
+          <a:ln>
+            <a:solidFill>
+              <a:schemeClr val="bg2">
+                <a:lumMod val="90000"/>
+              </a:schemeClr>
+            </a:solidFill>
+          </a:ln>
+        </p:spPr>
+      </p:pic>
+      <p:pic>
+        <p:nvPicPr>
+          <p:cNvPr id="11" name="Immagine 10">
+            <a:extLst>
+              <a:ext uri="{FF2B5EF4-FFF2-40B4-BE49-F238E27FC236}">
+                <a16:creationId xmlns:a16="http://schemas.microsoft.com/office/drawing/2014/main" id="{4BB0B467-F109-4F85-89E3-E220717226F5}"/>
+              </a:ext>
+            </a:extLst>
+          </p:cNvPr>
+          <p:cNvPicPr>
+            <a:picLocks noChangeAspect="1"/>
+          </p:cNvPicPr>
+          <p:nvPr/>
+        </p:nvPicPr>
+        <p:blipFill>
+          <a:blip r:embed="rId5">
+            <a:extLst>
+              <a:ext uri="{28A0092B-C50C-407E-A947-70E740481C1C}">
+                <a14:useLocalDpi xmlns:a14="http://schemas.microsoft.com/office/drawing/2010/main" val="0"/>
+              </a:ext>
+            </a:extLst>
+          </a:blip>
+          <a:stretch>
+            <a:fillRect/>
+          </a:stretch>
+        </p:blipFill>
+        <p:spPr>
+          <a:xfrm>
+            <a:off x="1140794" y="3834882"/>
+            <a:ext cx="1396584" cy="2481309"/>
+          </a:xfrm>
+          <a:prstGeom prst="rect">
+            <a:avLst/>
+          </a:prstGeom>
+          <a:ln>
+            <a:solidFill>
+              <a:schemeClr val="bg2">
+                <a:lumMod val="90000"/>
+              </a:schemeClr>
+            </a:solidFill>
+          </a:ln>
+        </p:spPr>
+      </p:pic>
+      <p:pic>
+        <p:nvPicPr>
+          <p:cNvPr id="13" name="Immagine 12">
+            <a:extLst>
+              <a:ext uri="{FF2B5EF4-FFF2-40B4-BE49-F238E27FC236}">
+                <a16:creationId xmlns:a16="http://schemas.microsoft.com/office/drawing/2014/main" id="{325BDD02-1B35-48CF-A886-E4420966D36A}"/>
+              </a:ext>
+            </a:extLst>
+          </p:cNvPr>
+          <p:cNvPicPr>
+            <a:picLocks noChangeAspect="1"/>
+          </p:cNvPicPr>
+          <p:nvPr/>
+        </p:nvPicPr>
+        <p:blipFill>
+          <a:blip r:embed="rId6">
+            <a:extLst>
+              <a:ext uri="{28A0092B-C50C-407E-A947-70E740481C1C}">
+                <a14:useLocalDpi xmlns:a14="http://schemas.microsoft.com/office/drawing/2010/main" val="0"/>
+              </a:ext>
+            </a:extLst>
+          </a:blip>
+          <a:stretch>
+            <a:fillRect/>
+          </a:stretch>
+        </p:blipFill>
+        <p:spPr>
+          <a:xfrm>
+            <a:off x="9654621" y="659180"/>
+            <a:ext cx="1396586" cy="2481313"/>
+          </a:xfrm>
+          <a:prstGeom prst="rect">
+            <a:avLst/>
+          </a:prstGeom>
+          <a:ln>
+            <a:solidFill>
+              <a:schemeClr val="bg2">
+                <a:lumMod val="90000"/>
+              </a:schemeClr>
+            </a:solidFill>
+          </a:ln>
+        </p:spPr>
+      </p:pic>
+      <p:pic>
+        <p:nvPicPr>
+          <p:cNvPr id="15" name="Immagine 14">
+            <a:extLst>
+              <a:ext uri="{FF2B5EF4-FFF2-40B4-BE49-F238E27FC236}">
+                <a16:creationId xmlns:a16="http://schemas.microsoft.com/office/drawing/2014/main" id="{D05A9C98-CEA8-4F5D-9241-B174CFC68BA2}"/>
+              </a:ext>
+            </a:extLst>
+          </p:cNvPr>
+          <p:cNvPicPr>
+            <a:picLocks noChangeAspect="1"/>
+          </p:cNvPicPr>
+          <p:nvPr/>
+        </p:nvPicPr>
+        <p:blipFill>
+          <a:blip r:embed="rId7">
+            <a:extLst>
+              <a:ext uri="{28A0092B-C50C-407E-A947-70E740481C1C}">
+                <a14:useLocalDpi xmlns:a14="http://schemas.microsoft.com/office/drawing/2010/main" val="0"/>
+              </a:ext>
+            </a:extLst>
+          </a:blip>
+          <a:stretch>
+            <a:fillRect/>
+          </a:stretch>
+        </p:blipFill>
+        <p:spPr>
+          <a:xfrm>
+            <a:off x="4189315" y="659183"/>
+            <a:ext cx="1396585" cy="2481310"/>
+          </a:xfrm>
+          <a:prstGeom prst="rect">
+            <a:avLst/>
+          </a:prstGeom>
+          <a:ln>
+            <a:solidFill>
+              <a:schemeClr val="bg2">
+                <a:lumMod val="90000"/>
+              </a:schemeClr>
+            </a:solidFill>
+          </a:ln>
+        </p:spPr>
+      </p:pic>
+      <p:cxnSp>
+        <p:nvCxnSpPr>
+          <p:cNvPr id="17" name="Connettore 2 16">
+            <a:extLst>
+              <a:ext uri="{FF2B5EF4-FFF2-40B4-BE49-F238E27FC236}">
+                <a16:creationId xmlns:a16="http://schemas.microsoft.com/office/drawing/2014/main" id="{FE2A3E79-481F-42E5-9EA7-7082C5A2E354}"/>
+              </a:ext>
+            </a:extLst>
+          </p:cNvPr>
+          <p:cNvCxnSpPr>
+            <a:stCxn id="4" idx="3"/>
+            <a:endCxn id="15" idx="1"/>
+          </p:cNvCxnSpPr>
+          <p:nvPr/>
+        </p:nvCxnSpPr>
+        <p:spPr>
+          <a:xfrm flipV="1">
+            <a:off x="2537378" y="1899838"/>
+            <a:ext cx="1651937" cy="2"/>
+          </a:xfrm>
+          <a:prstGeom prst="straightConnector1">
+            <a:avLst/>
+          </a:prstGeom>
+          <a:ln>
+            <a:tailEnd type="triangle"/>
+          </a:ln>
+        </p:spPr>
+        <p:style>
+          <a:lnRef idx="1">
+            <a:schemeClr val="accent3"/>
+          </a:lnRef>
+          <a:fillRef idx="0">
+            <a:schemeClr val="accent3"/>
+          </a:fillRef>
+          <a:effectRef idx="0">
+            <a:schemeClr val="accent3"/>
+          </a:effectRef>
+          <a:fontRef idx="minor">
+            <a:schemeClr val="tx1"/>
+          </a:fontRef>
+        </p:style>
+      </p:cxnSp>
+      <p:cxnSp>
+        <p:nvCxnSpPr>
+          <p:cNvPr id="18" name="Connettore 2 17">
+            <a:extLst>
+              <a:ext uri="{FF2B5EF4-FFF2-40B4-BE49-F238E27FC236}">
+                <a16:creationId xmlns:a16="http://schemas.microsoft.com/office/drawing/2014/main" id="{EEDB5792-F343-4385-A12C-E129C49C662B}"/>
+              </a:ext>
+            </a:extLst>
+          </p:cNvPr>
+          <p:cNvCxnSpPr>
+            <a:cxnSpLocks/>
+          </p:cNvCxnSpPr>
+          <p:nvPr/>
+        </p:nvCxnSpPr>
+        <p:spPr>
+          <a:xfrm>
+            <a:off x="5585900" y="1899838"/>
+            <a:ext cx="1493140" cy="0"/>
+          </a:xfrm>
+          <a:prstGeom prst="straightConnector1">
+            <a:avLst/>
+          </a:prstGeom>
+          <a:ln>
+            <a:tailEnd type="triangle"/>
+          </a:ln>
+        </p:spPr>
+        <p:style>
+          <a:lnRef idx="1">
+            <a:schemeClr val="accent3"/>
+          </a:lnRef>
+          <a:fillRef idx="0">
+            <a:schemeClr val="accent3"/>
+          </a:fillRef>
+          <a:effectRef idx="0">
+            <a:schemeClr val="accent3"/>
+          </a:effectRef>
+          <a:fontRef idx="minor">
+            <a:schemeClr val="tx1"/>
+          </a:fontRef>
+        </p:style>
+      </p:cxnSp>
+      <p:cxnSp>
+        <p:nvCxnSpPr>
+          <p:cNvPr id="19" name="Connettore 2 18">
+            <a:extLst>
+              <a:ext uri="{FF2B5EF4-FFF2-40B4-BE49-F238E27FC236}">
+                <a16:creationId xmlns:a16="http://schemas.microsoft.com/office/drawing/2014/main" id="{8B9B2FD3-9A10-46B5-A240-F57E2FF73E5D}"/>
+              </a:ext>
+            </a:extLst>
+          </p:cNvPr>
+          <p:cNvCxnSpPr>
+            <a:cxnSpLocks/>
+          </p:cNvCxnSpPr>
+          <p:nvPr/>
+        </p:nvCxnSpPr>
+        <p:spPr>
+          <a:xfrm>
+            <a:off x="8930936" y="1899836"/>
+            <a:ext cx="723685" cy="0"/>
+          </a:xfrm>
+          <a:prstGeom prst="straightConnector1">
+            <a:avLst/>
+          </a:prstGeom>
+          <a:ln>
+            <a:tailEnd type="triangle"/>
+          </a:ln>
+        </p:spPr>
+        <p:style>
+          <a:lnRef idx="1">
+            <a:schemeClr val="accent3"/>
+          </a:lnRef>
+          <a:fillRef idx="0">
+            <a:schemeClr val="accent3"/>
+          </a:fillRef>
+          <a:effectRef idx="0">
+            <a:schemeClr val="accent3"/>
+          </a:effectRef>
+          <a:fontRef idx="minor">
+            <a:schemeClr val="tx1"/>
+          </a:fontRef>
+        </p:style>
+      </p:cxnSp>
+      <p:cxnSp>
+        <p:nvCxnSpPr>
+          <p:cNvPr id="20" name="Connettore 2 19">
+            <a:extLst>
+              <a:ext uri="{FF2B5EF4-FFF2-40B4-BE49-F238E27FC236}">
+                <a16:creationId xmlns:a16="http://schemas.microsoft.com/office/drawing/2014/main" id="{E47B7925-E29D-485F-BE4A-5CF4B0CC2C9E}"/>
+              </a:ext>
+            </a:extLst>
+          </p:cNvPr>
+          <p:cNvCxnSpPr>
+            <a:cxnSpLocks/>
+            <a:stCxn id="11" idx="3"/>
+            <a:endCxn id="6" idx="1"/>
+          </p:cNvCxnSpPr>
+          <p:nvPr/>
+        </p:nvCxnSpPr>
+        <p:spPr>
+          <a:xfrm flipV="1">
+            <a:off x="2537378" y="5075536"/>
+            <a:ext cx="1651937" cy="1"/>
+          </a:xfrm>
+          <a:prstGeom prst="straightConnector1">
+            <a:avLst/>
+          </a:prstGeom>
+          <a:ln>
+            <a:tailEnd type="triangle"/>
+          </a:ln>
+        </p:spPr>
+        <p:style>
+          <a:lnRef idx="1">
+            <a:schemeClr val="accent3"/>
+          </a:lnRef>
+          <a:fillRef idx="0">
+            <a:schemeClr val="accent3"/>
+          </a:fillRef>
+          <a:effectRef idx="0">
+            <a:schemeClr val="accent3"/>
+          </a:effectRef>
+          <a:fontRef idx="minor">
+            <a:schemeClr val="tx1"/>
+          </a:fontRef>
+        </p:style>
+      </p:cxnSp>
+      <p:cxnSp>
+        <p:nvCxnSpPr>
+          <p:cNvPr id="24" name="Connettore 2 23">
+            <a:extLst>
+              <a:ext uri="{FF2B5EF4-FFF2-40B4-BE49-F238E27FC236}">
+                <a16:creationId xmlns:a16="http://schemas.microsoft.com/office/drawing/2014/main" id="{96182263-057F-4E08-8E15-8C0EF856EC05}"/>
+              </a:ext>
+            </a:extLst>
+          </p:cNvPr>
+          <p:cNvCxnSpPr>
+            <a:cxnSpLocks/>
+            <a:stCxn id="6" idx="3"/>
+            <a:endCxn id="8" idx="1"/>
+          </p:cNvCxnSpPr>
+          <p:nvPr/>
+        </p:nvCxnSpPr>
+        <p:spPr>
+          <a:xfrm flipV="1">
+            <a:off x="5585901" y="5075535"/>
+            <a:ext cx="1593774" cy="1"/>
+          </a:xfrm>
+          <a:prstGeom prst="straightConnector1">
+            <a:avLst/>
+          </a:prstGeom>
+          <a:ln>
+            <a:tailEnd type="triangle"/>
+          </a:ln>
+        </p:spPr>
+        <p:style>
+          <a:lnRef idx="1">
+            <a:schemeClr val="accent3"/>
+          </a:lnRef>
+          <a:fillRef idx="0">
+            <a:schemeClr val="accent3"/>
+          </a:fillRef>
+          <a:effectRef idx="0">
+            <a:schemeClr val="accent3"/>
+          </a:effectRef>
+          <a:fontRef idx="minor">
+            <a:schemeClr val="tx1"/>
+          </a:fontRef>
+        </p:style>
+      </p:cxnSp>
+      <p:sp>
+        <p:nvSpPr>
+          <p:cNvPr id="27" name="CasellaDiTesto 26">
+            <a:extLst>
+              <a:ext uri="{FF2B5EF4-FFF2-40B4-BE49-F238E27FC236}">
+                <a16:creationId xmlns:a16="http://schemas.microsoft.com/office/drawing/2014/main" id="{E5504F2D-DCB6-407A-81A5-31D693966219}"/>
+              </a:ext>
+            </a:extLst>
+          </p:cNvPr>
+          <p:cNvSpPr txBox="1"/>
+          <p:nvPr/>
+        </p:nvSpPr>
+        <p:spPr>
+          <a:xfrm>
+            <a:off x="2925245" y="1640607"/>
+            <a:ext cx="876202" cy="276999"/>
+          </a:xfrm>
+          <a:prstGeom prst="rect">
+            <a:avLst/>
+          </a:prstGeom>
+          <a:noFill/>
+        </p:spPr>
+        <p:txBody>
+          <a:bodyPr wrap="none" rtlCol="0">
+            <a:spAutoFit/>
+          </a:bodyPr>
+          <a:lstStyle/>
+          <a:p>
+            <a:r>
+              <a:rPr lang="it-IT" sz="1200" dirty="0" err="1"/>
+              <a:t>buyTicket</a:t>
+            </a:r>
+            <a:r>
+              <a:rPr lang="it-IT" sz="1200" dirty="0"/>
+              <a:t>()</a:t>
+            </a:r>
+            <a:endParaRPr lang="it-IT" dirty="0"/>
+          </a:p>
+        </p:txBody>
+      </p:sp>
+      <p:sp>
+        <p:nvSpPr>
+          <p:cNvPr id="28" name="CasellaDiTesto 27">
+            <a:extLst>
+              <a:ext uri="{FF2B5EF4-FFF2-40B4-BE49-F238E27FC236}">
+                <a16:creationId xmlns:a16="http://schemas.microsoft.com/office/drawing/2014/main" id="{C1DDE18A-9CA4-454B-82EE-A12C706D6C5A}"/>
+              </a:ext>
+            </a:extLst>
+          </p:cNvPr>
+          <p:cNvSpPr txBox="1"/>
+          <p:nvPr/>
+        </p:nvSpPr>
+        <p:spPr>
+          <a:xfrm>
+            <a:off x="2763726" y="4819661"/>
+            <a:ext cx="1199239" cy="276999"/>
+          </a:xfrm>
+          <a:prstGeom prst="rect">
+            <a:avLst/>
+          </a:prstGeom>
+          <a:noFill/>
+        </p:spPr>
+        <p:txBody>
+          <a:bodyPr wrap="none" rtlCol="0">
+            <a:spAutoFit/>
+          </a:bodyPr>
+          <a:lstStyle/>
+          <a:p>
+            <a:r>
+              <a:rPr lang="it-IT" sz="1200" dirty="0" err="1"/>
+              <a:t>viewMyTickets</a:t>
+            </a:r>
+            <a:r>
+              <a:rPr lang="it-IT" sz="1200" dirty="0"/>
+              <a:t>()</a:t>
+            </a:r>
+            <a:endParaRPr lang="it-IT" dirty="0"/>
+          </a:p>
+        </p:txBody>
+      </p:sp>
+      <p:sp>
+        <p:nvSpPr>
+          <p:cNvPr id="29" name="CasellaDiTesto 28">
+            <a:extLst>
+              <a:ext uri="{FF2B5EF4-FFF2-40B4-BE49-F238E27FC236}">
+                <a16:creationId xmlns:a16="http://schemas.microsoft.com/office/drawing/2014/main" id="{22408D06-1841-4D52-AF5B-8DC671E20182}"/>
+              </a:ext>
+            </a:extLst>
+          </p:cNvPr>
+          <p:cNvSpPr txBox="1"/>
+          <p:nvPr/>
+        </p:nvSpPr>
+        <p:spPr>
+          <a:xfrm>
+            <a:off x="5830953" y="4798536"/>
+            <a:ext cx="1151534" cy="276999"/>
+          </a:xfrm>
+          <a:prstGeom prst="rect">
+            <a:avLst/>
+          </a:prstGeom>
+          <a:noFill/>
+        </p:spPr>
+        <p:txBody>
+          <a:bodyPr wrap="none" rtlCol="0">
+            <a:spAutoFit/>
+          </a:bodyPr>
+          <a:lstStyle/>
+          <a:p>
+            <a:r>
+              <a:rPr lang="it-IT" sz="1200" dirty="0" err="1"/>
+              <a:t>selectQRCode</a:t>
+            </a:r>
+            <a:r>
+              <a:rPr lang="it-IT" sz="1200" dirty="0"/>
+              <a:t>()</a:t>
+            </a:r>
+            <a:endParaRPr lang="it-IT" dirty="0"/>
+          </a:p>
+        </p:txBody>
+      </p:sp>
+      <p:sp>
+        <p:nvSpPr>
+          <p:cNvPr id="30" name="CasellaDiTesto 29">
+            <a:extLst>
+              <a:ext uri="{FF2B5EF4-FFF2-40B4-BE49-F238E27FC236}">
+                <a16:creationId xmlns:a16="http://schemas.microsoft.com/office/drawing/2014/main" id="{712CB6A8-A485-4F7A-A82B-7D80141AAFFE}"/>
+              </a:ext>
+            </a:extLst>
+          </p:cNvPr>
+          <p:cNvSpPr txBox="1"/>
+          <p:nvPr/>
+        </p:nvSpPr>
+        <p:spPr>
+          <a:xfrm>
+            <a:off x="5841252" y="1640636"/>
+            <a:ext cx="993605" cy="276999"/>
+          </a:xfrm>
+          <a:prstGeom prst="rect">
+            <a:avLst/>
+          </a:prstGeom>
+          <a:noFill/>
+        </p:spPr>
+        <p:txBody>
+          <a:bodyPr wrap="none" rtlCol="0">
+            <a:spAutoFit/>
+          </a:bodyPr>
+          <a:lstStyle/>
+          <a:p>
+            <a:r>
+              <a:rPr lang="it-IT" sz="1200" dirty="0" err="1"/>
+              <a:t>confirmBuy</a:t>
+            </a:r>
+            <a:r>
+              <a:rPr lang="it-IT" sz="1200" dirty="0"/>
+              <a:t>()</a:t>
+            </a:r>
+            <a:endParaRPr lang="it-IT" dirty="0"/>
+          </a:p>
+        </p:txBody>
+      </p:sp>
+      <p:sp>
+        <p:nvSpPr>
+          <p:cNvPr id="35" name="Rettangolo 34">
+            <a:extLst>
+              <a:ext uri="{FF2B5EF4-FFF2-40B4-BE49-F238E27FC236}">
+                <a16:creationId xmlns:a16="http://schemas.microsoft.com/office/drawing/2014/main" id="{A3CF3BB1-4FB7-4E2D-9D5E-6F55D6261E93}"/>
+              </a:ext>
+            </a:extLst>
+          </p:cNvPr>
+          <p:cNvSpPr/>
+          <p:nvPr/>
+        </p:nvSpPr>
+        <p:spPr>
+          <a:xfrm>
+            <a:off x="7079040" y="1376039"/>
+            <a:ext cx="1851896" cy="1083065"/>
+          </a:xfrm>
+          <a:prstGeom prst="rect">
+            <a:avLst/>
+          </a:prstGeom>
+        </p:spPr>
+        <p:style>
+          <a:lnRef idx="2">
+            <a:schemeClr val="accent3"/>
+          </a:lnRef>
+          <a:fillRef idx="1">
+            <a:schemeClr val="lt1"/>
+          </a:fillRef>
+          <a:effectRef idx="0">
+            <a:schemeClr val="accent3"/>
+          </a:effectRef>
+          <a:fontRef idx="minor">
+            <a:schemeClr val="dk1"/>
+          </a:fontRef>
+        </p:style>
+        <p:txBody>
+          <a:bodyPr rtlCol="0" anchor="ctr"/>
+          <a:lstStyle/>
+          <a:p>
+            <a:pPr algn="ctr"/>
+            <a:r>
+              <a:rPr lang="it-IT" sz="1200" dirty="0" err="1">
+                <a:solidFill>
+                  <a:schemeClr val="bg2">
+                    <a:lumMod val="75000"/>
+                  </a:schemeClr>
+                </a:solidFill>
+              </a:rPr>
+              <a:t>Redirect</a:t>
+            </a:r>
+            <a:r>
+              <a:rPr lang="it-IT" sz="1200" dirty="0">
+                <a:solidFill>
+                  <a:schemeClr val="bg2">
+                    <a:lumMod val="75000"/>
+                  </a:schemeClr>
+                </a:solidFill>
+              </a:rPr>
+              <a:t> to </a:t>
+            </a:r>
+          </a:p>
+          <a:p>
+            <a:pPr algn="ctr"/>
+            <a:r>
+              <a:rPr lang="it-IT" sz="1200" dirty="0" err="1">
+                <a:solidFill>
+                  <a:schemeClr val="bg2">
+                    <a:lumMod val="75000"/>
+                  </a:schemeClr>
+                </a:solidFill>
+              </a:rPr>
+              <a:t>payment</a:t>
+            </a:r>
+            <a:r>
+              <a:rPr lang="it-IT" sz="1200" dirty="0">
+                <a:solidFill>
+                  <a:schemeClr val="bg2">
+                    <a:lumMod val="75000"/>
+                  </a:schemeClr>
+                </a:solidFill>
+              </a:rPr>
+              <a:t> system</a:t>
+            </a:r>
+          </a:p>
+        </p:txBody>
+      </p:sp>
+    </p:spTree>
+    <p:extLst>
+      <p:ext uri="{BB962C8B-B14F-4D97-AF65-F5344CB8AC3E}">
+        <p14:creationId xmlns:p14="http://schemas.microsoft.com/office/powerpoint/2010/main" val="3329335295"/>
       </p:ext>
     </p:extLst>
   </p:cSld>
